--- a/extra/MS-100AIntro.pptx
+++ b/extra/MS-100AIntro.pptx
@@ -241,7 +241,7 @@
               <a:rPr lang="en-US" smtClean="0">
                 <a:latin typeface="Segoe UI" pitchFamily="34" charset="0"/>
               </a:rPr>
-              <a:t>3/4/2019 2:04 PM</a:t>
+              <a:t>8/2/2019 2:34 PM</a:t>
             </a:fld>
             <a:endParaRPr lang="en-US" dirty="0">
               <a:latin typeface="Segoe UI" pitchFamily="34" charset="0"/>
@@ -519,7 +519,7 @@
           <a:p>
             <a:fld id="{386CE63F-9E7F-4C04-9D0D-FCA25A8E9E86}" type="datetime8">
               <a:rPr lang="en-US" smtClean="0"/>
-              <a:t>3/4/2019 2:04 PM</a:t>
+              <a:t>8/2/2019 2:34 PM</a:t>
             </a:fld>
             <a:endParaRPr lang="en-US" dirty="0"/>
           </a:p>
@@ -886,7 +886,7 @@
           <a:p>
             <a:fld id="{3619146B-24F9-441E-A368-DB3B5A84C1D4}" type="datetime8">
               <a:rPr lang="en-US" smtClean="0"/>
-              <a:t>3/4/2019 2:04 PM</a:t>
+              <a:t>8/2/2019 2:34 PM</a:t>
             </a:fld>
             <a:endParaRPr lang="en-US" dirty="0"/>
           </a:p>
@@ -1051,7 +1051,7 @@
           <a:p>
             <a:fld id="{9427A7F7-BB1E-479D-AFAA-B52F4D0C99F2}" type="datetime8">
               <a:rPr lang="en-US" smtClean="0"/>
-              <a:t>3/4/2019 2:04 PM</a:t>
+              <a:t>8/2/2019 2:34 PM</a:t>
             </a:fld>
             <a:endParaRPr lang="en-US" dirty="0"/>
           </a:p>
@@ -1216,7 +1216,7 @@
           <a:p>
             <a:fld id="{9427A7F7-BB1E-479D-AFAA-B52F4D0C99F2}" type="datetime8">
               <a:rPr lang="en-US" smtClean="0"/>
-              <a:t>3/4/2019 2:04 PM</a:t>
+              <a:t>8/2/2019 2:34 PM</a:t>
             </a:fld>
             <a:endParaRPr lang="en-US" dirty="0"/>
           </a:p>
@@ -7661,7 +7661,7 @@
         <p:spPr>
           <a:xfrm>
             <a:off x="584200" y="1435497"/>
-            <a:ext cx="11018520" cy="3902607"/>
+            <a:ext cx="11018520" cy="4271939"/>
           </a:xfrm>
         </p:spPr>
         <p:txBody>
@@ -7705,9 +7705,13 @@
               <a:t>ProPlus</a:t>
             </a:r>
             <a:r>
-              <a:rPr lang="en-US" dirty="0"/>
+              <a:rPr lang="en-US"/>
               <a:t> Deployments</a:t>
             </a:r>
+          </a:p>
+          <a:p>
+            <a:pPr lvl="1"/>
+            <a:endParaRPr lang="en-US" dirty="0"/>
           </a:p>
           <a:p>
             <a:r>
